--- a/Mid_PT.pptx
+++ b/Mid_PT.pptx
@@ -318,7 +318,7 @@
           <a:p>
             <a:fld id="{FFB241B1-18A5-4966-AD47-D54390CA2A22}" type="datetimeFigureOut">
               <a:rPr lang="ko-KR" altLang="en-US" smtClean="0"/>
-              <a:t>2016-04-19</a:t>
+              <a:t>2016-04-29</a:t>
             </a:fld>
             <a:endParaRPr lang="ko-KR" altLang="en-US"/>
           </a:p>
@@ -488,7 +488,7 @@
           <a:p>
             <a:fld id="{FFB241B1-18A5-4966-AD47-D54390CA2A22}" type="datetimeFigureOut">
               <a:rPr lang="ko-KR" altLang="en-US" smtClean="0"/>
-              <a:t>2016-04-19</a:t>
+              <a:t>2016-04-29</a:t>
             </a:fld>
             <a:endParaRPr lang="ko-KR" altLang="en-US"/>
           </a:p>
@@ -668,7 +668,7 @@
           <a:p>
             <a:fld id="{FFB241B1-18A5-4966-AD47-D54390CA2A22}" type="datetimeFigureOut">
               <a:rPr lang="ko-KR" altLang="en-US" smtClean="0"/>
-              <a:t>2016-04-19</a:t>
+              <a:t>2016-04-29</a:t>
             </a:fld>
             <a:endParaRPr lang="ko-KR" altLang="en-US"/>
           </a:p>
@@ -838,7 +838,7 @@
           <a:p>
             <a:fld id="{FFB241B1-18A5-4966-AD47-D54390CA2A22}" type="datetimeFigureOut">
               <a:rPr lang="ko-KR" altLang="en-US" smtClean="0"/>
-              <a:t>2016-04-19</a:t>
+              <a:t>2016-04-29</a:t>
             </a:fld>
             <a:endParaRPr lang="ko-KR" altLang="en-US"/>
           </a:p>
@@ -1084,7 +1084,7 @@
           <a:p>
             <a:fld id="{FFB241B1-18A5-4966-AD47-D54390CA2A22}" type="datetimeFigureOut">
               <a:rPr lang="ko-KR" altLang="en-US" smtClean="0"/>
-              <a:t>2016-04-19</a:t>
+              <a:t>2016-04-29</a:t>
             </a:fld>
             <a:endParaRPr lang="ko-KR" altLang="en-US"/>
           </a:p>
@@ -1372,7 +1372,7 @@
           <a:p>
             <a:fld id="{FFB241B1-18A5-4966-AD47-D54390CA2A22}" type="datetimeFigureOut">
               <a:rPr lang="ko-KR" altLang="en-US" smtClean="0"/>
-              <a:t>2016-04-19</a:t>
+              <a:t>2016-04-29</a:t>
             </a:fld>
             <a:endParaRPr lang="ko-KR" altLang="en-US"/>
           </a:p>
@@ -1799,7 +1799,7 @@
           <a:p>
             <a:fld id="{FFB241B1-18A5-4966-AD47-D54390CA2A22}" type="datetimeFigureOut">
               <a:rPr lang="ko-KR" altLang="en-US" smtClean="0"/>
-              <a:t>2016-04-19</a:t>
+              <a:t>2016-04-29</a:t>
             </a:fld>
             <a:endParaRPr lang="ko-KR" altLang="en-US"/>
           </a:p>
@@ -1917,7 +1917,7 @@
           <a:p>
             <a:fld id="{FFB241B1-18A5-4966-AD47-D54390CA2A22}" type="datetimeFigureOut">
               <a:rPr lang="ko-KR" altLang="en-US" smtClean="0"/>
-              <a:t>2016-04-19</a:t>
+              <a:t>2016-04-29</a:t>
             </a:fld>
             <a:endParaRPr lang="ko-KR" altLang="en-US"/>
           </a:p>
@@ -2012,7 +2012,7 @@
           <a:p>
             <a:fld id="{FFB241B1-18A5-4966-AD47-D54390CA2A22}" type="datetimeFigureOut">
               <a:rPr lang="ko-KR" altLang="en-US" smtClean="0"/>
-              <a:t>2016-04-19</a:t>
+              <a:t>2016-04-29</a:t>
             </a:fld>
             <a:endParaRPr lang="ko-KR" altLang="en-US"/>
           </a:p>
@@ -2289,7 +2289,7 @@
           <a:p>
             <a:fld id="{FFB241B1-18A5-4966-AD47-D54390CA2A22}" type="datetimeFigureOut">
               <a:rPr lang="ko-KR" altLang="en-US" smtClean="0"/>
-              <a:t>2016-04-19</a:t>
+              <a:t>2016-04-29</a:t>
             </a:fld>
             <a:endParaRPr lang="ko-KR" altLang="en-US"/>
           </a:p>
@@ -2542,7 +2542,7 @@
           <a:p>
             <a:fld id="{FFB241B1-18A5-4966-AD47-D54390CA2A22}" type="datetimeFigureOut">
               <a:rPr lang="ko-KR" altLang="en-US" smtClean="0"/>
-              <a:t>2016-04-19</a:t>
+              <a:t>2016-04-29</a:t>
             </a:fld>
             <a:endParaRPr lang="ko-KR" altLang="en-US"/>
           </a:p>
@@ -2755,7 +2755,7 @@
           <a:p>
             <a:fld id="{FFB241B1-18A5-4966-AD47-D54390CA2A22}" type="datetimeFigureOut">
               <a:rPr lang="ko-KR" altLang="en-US" smtClean="0"/>
-              <a:t>2016-04-19</a:t>
+              <a:t>2016-04-29</a:t>
             </a:fld>
             <a:endParaRPr lang="ko-KR" altLang="en-US"/>
           </a:p>
@@ -3231,8 +3231,8 @@
         </p:nvSpPr>
         <p:spPr>
           <a:xfrm>
-            <a:off x="6372200" y="3291830"/>
-            <a:ext cx="2350323" cy="1323439"/>
+            <a:off x="6863139" y="3003798"/>
+            <a:ext cx="1813317" cy="1631216"/>
           </a:xfrm>
           <a:prstGeom prst="rect">
             <a:avLst/>
@@ -3247,7 +3247,7 @@
           <a:p>
             <a:pPr algn="r"/>
             <a:r>
-              <a:rPr lang="ko-KR" altLang="en-US" sz="2000" spc="-150" dirty="0" smtClean="0">
+              <a:rPr lang="en-US" altLang="ko-KR" sz="2000" dirty="0" smtClean="0">
                 <a:ln>
                   <a:solidFill>
                     <a:schemeClr val="accent1">
@@ -3256,18 +3256,18 @@
                   </a:solidFill>
                 </a:ln>
                 <a:solidFill>
-                  <a:schemeClr val="tx1">
-                    <a:lumMod val="75000"/>
-                    <a:lumOff val="25000"/>
-                  </a:schemeClr>
+                  <a:srgbClr val="EA3C3D"/>
                 </a:solidFill>
                 <a:latin typeface="+mj-ea"/>
                 <a:ea typeface="+mj-ea"/>
               </a:rPr>
-              <a:t>소쿠리의 후예 </a:t>
-            </a:r>
-            <a:r>
-              <a:rPr lang="en-US" altLang="ko-KR" sz="2000" spc="-150" dirty="0" smtClean="0">
+              <a:t>KL021</a:t>
+            </a:r>
+          </a:p>
+          <a:p>
+            <a:pPr algn="r"/>
+            <a:r>
+              <a:rPr lang="ko-KR" altLang="en-US" sz="2000" dirty="0" smtClean="0">
                 <a:ln>
                   <a:solidFill>
                     <a:schemeClr val="accent1">
@@ -3276,17 +3276,14 @@
                   </a:solidFill>
                 </a:ln>
                 <a:solidFill>
-                  <a:schemeClr val="tx1">
-                    <a:lumMod val="75000"/>
-                    <a:lumOff val="25000"/>
-                  </a:schemeClr>
+                  <a:srgbClr val="EA3C3D"/>
                 </a:solidFill>
                 <a:latin typeface="+mj-ea"/>
                 <a:ea typeface="+mj-ea"/>
               </a:rPr>
-              <a:t>KL021</a:t>
-            </a:r>
-            <a:endParaRPr lang="en-US" altLang="ko-KR" sz="2000" spc="-150" dirty="0" smtClean="0">
+              <a:t>소쿠리의 후예</a:t>
+            </a:r>
+            <a:endParaRPr lang="en-US" altLang="ko-KR" sz="2000" dirty="0" smtClean="0">
               <a:ln>
                 <a:solidFill>
                   <a:schemeClr val="accent1">
@@ -3295,10 +3292,7 @@
                 </a:solidFill>
               </a:ln>
               <a:solidFill>
-                <a:schemeClr val="tx1">
-                  <a:lumMod val="75000"/>
-                  <a:lumOff val="25000"/>
-                </a:schemeClr>
+                <a:srgbClr val="EA3C3D"/>
               </a:solidFill>
               <a:latin typeface="+mj-ea"/>
               <a:ea typeface="+mj-ea"/>
@@ -3307,7 +3301,7 @@
           <a:p>
             <a:pPr algn="r"/>
             <a:r>
-              <a:rPr lang="en-US" altLang="ko-KR" sz="2000" spc="-150" dirty="0" smtClean="0">
+              <a:rPr lang="en-US" altLang="ko-KR" sz="2000" dirty="0" smtClean="0">
                 <a:ln>
                   <a:solidFill>
                     <a:schemeClr val="accent1">
@@ -3327,7 +3321,7 @@
               <a:t>11 </a:t>
             </a:r>
             <a:r>
-              <a:rPr lang="ko-KR" altLang="en-US" sz="2000" spc="-150" dirty="0" smtClean="0">
+              <a:rPr lang="ko-KR" altLang="en-US" sz="2000" dirty="0" smtClean="0">
                 <a:ln>
                   <a:solidFill>
                     <a:schemeClr val="accent1">
@@ -3346,7 +3340,7 @@
               </a:rPr>
               <a:t>김영래</a:t>
             </a:r>
-            <a:endParaRPr lang="en-US" altLang="ko-KR" sz="2000" spc="-150" dirty="0" smtClean="0">
+            <a:endParaRPr lang="en-US" altLang="ko-KR" sz="2000" dirty="0" smtClean="0">
               <a:ln>
                 <a:solidFill>
                   <a:schemeClr val="accent1">
@@ -3367,7 +3361,7 @@
           <a:p>
             <a:pPr algn="r"/>
             <a:r>
-              <a:rPr lang="en-US" altLang="ko-KR" sz="2000" spc="-150" dirty="0" smtClean="0">
+              <a:rPr lang="en-US" altLang="ko-KR" sz="2000" dirty="0" smtClean="0">
                 <a:ln>
                   <a:solidFill>
                     <a:schemeClr val="accent1">
@@ -3387,7 +3381,7 @@
               <a:t>14 </a:t>
             </a:r>
             <a:r>
-              <a:rPr lang="ko-KR" altLang="en-US" sz="2000" spc="-150" dirty="0" smtClean="0">
+              <a:rPr lang="ko-KR" altLang="en-US" sz="2000" dirty="0" smtClean="0">
                 <a:ln>
                   <a:solidFill>
                     <a:schemeClr val="accent1">
@@ -3406,7 +3400,7 @@
               </a:rPr>
               <a:t>이유림</a:t>
             </a:r>
-            <a:endParaRPr lang="en-US" altLang="ko-KR" sz="2000" spc="-150" dirty="0" smtClean="0">
+            <a:endParaRPr lang="en-US" altLang="ko-KR" sz="2000" dirty="0" smtClean="0">
               <a:ln>
                 <a:solidFill>
                   <a:schemeClr val="accent1">
@@ -3427,7 +3421,7 @@
           <a:p>
             <a:pPr algn="r"/>
             <a:r>
-              <a:rPr lang="en-US" altLang="ko-KR" sz="2000" spc="-150" dirty="0" smtClean="0">
+              <a:rPr lang="en-US" altLang="ko-KR" sz="2000" dirty="0" smtClean="0">
                 <a:ln>
                   <a:solidFill>
                     <a:schemeClr val="accent1">
@@ -3447,7 +3441,7 @@
               <a:t>14 </a:t>
             </a:r>
             <a:r>
-              <a:rPr lang="ko-KR" altLang="en-US" sz="2000" spc="-150" dirty="0" smtClean="0">
+              <a:rPr lang="ko-KR" altLang="en-US" sz="2000" dirty="0" smtClean="0">
                 <a:ln>
                   <a:solidFill>
                     <a:schemeClr val="accent1">
@@ -3466,7 +3460,7 @@
               </a:rPr>
               <a:t>홍지영</a:t>
             </a:r>
-            <a:endParaRPr lang="ko-KR" altLang="en-US" sz="2000" spc="-150" dirty="0">
+            <a:endParaRPr lang="ko-KR" altLang="en-US" sz="2000" dirty="0">
               <a:ln>
                 <a:solidFill>
                   <a:schemeClr val="accent1">
